--- a/ClassMaterials/SETechniques/Slides/Part7-SETechniques-CardGameProblem.pptx
+++ b/ClassMaterials/SETechniques/Slides/Part7-SETechniques-CardGameProblem.pptx
@@ -231,7 +231,7 @@
           <a:p>
             <a:fld id="{A470E182-4433-B944-AF35-723DFC7F8728}" type="datetimeFigureOut">
               <a:rPr lang="en-US" smtClean="0"/>
-              <a:t>12/4/2022</a:t>
+              <a:t>12/5/2022</a:t>
             </a:fld>
             <a:endParaRPr lang="en-US"/>
           </a:p>
@@ -396,7 +396,7 @@
           <a:p>
             <a:fld id="{C12EF212-CCF8-3B4F-9C5F-A87F03513D57}" type="datetimeFigureOut">
               <a:rPr lang="en-US" smtClean="0"/>
-              <a:t>12/4/2022</a:t>
+              <a:t>12/5/2022</a:t>
             </a:fld>
             <a:endParaRPr lang="en-US"/>
           </a:p>
@@ -988,7 +988,7 @@
               <a:pPr>
                 <a:defRPr/>
               </a:pPr>
-              <a:t>Sunday, December 4, 2022</a:t>
+              <a:t>Monday, December 5, 2022</a:t>
             </a:fld>
             <a:endParaRPr lang="en-US"/>
           </a:p>
@@ -1181,7 +1181,7 @@
               <a:pPr>
                 <a:defRPr/>
               </a:pPr>
-              <a:t>Sunday, December 4, 2022</a:t>
+              <a:t>Monday, December 5, 2022</a:t>
             </a:fld>
             <a:endParaRPr lang="en-US">
               <a:solidFill>
@@ -1394,7 +1394,7 @@
               <a:pPr>
                 <a:defRPr/>
               </a:pPr>
-              <a:t>Sunday, December 4, 2022</a:t>
+              <a:t>Monday, December 5, 2022</a:t>
             </a:fld>
             <a:endParaRPr lang="en-US">
               <a:solidFill>
@@ -1597,7 +1597,7 @@
               <a:pPr>
                 <a:defRPr/>
               </a:pPr>
-              <a:t>Sunday, December 4, 2022</a:t>
+              <a:t>Monday, December 5, 2022</a:t>
             </a:fld>
             <a:endParaRPr lang="en-US">
               <a:solidFill>
@@ -1877,7 +1877,7 @@
               <a:pPr>
                 <a:defRPr/>
               </a:pPr>
-              <a:t>Sunday, December 4, 2022</a:t>
+              <a:t>Monday, December 5, 2022</a:t>
             </a:fld>
             <a:endParaRPr lang="en-US">
               <a:solidFill>
@@ -2141,7 +2141,7 @@
               <a:pPr>
                 <a:defRPr/>
               </a:pPr>
-              <a:t>Sunday, December 4, 2022</a:t>
+              <a:t>Monday, December 5, 2022</a:t>
             </a:fld>
             <a:endParaRPr lang="en-US">
               <a:solidFill>
@@ -2540,7 +2540,7 @@
               <a:pPr>
                 <a:defRPr/>
               </a:pPr>
-              <a:t>Sunday, December 4, 2022</a:t>
+              <a:t>Monday, December 5, 2022</a:t>
             </a:fld>
             <a:endParaRPr lang="en-US">
               <a:solidFill>
@@ -2692,7 +2692,7 @@
               <a:pPr>
                 <a:defRPr/>
               </a:pPr>
-              <a:t>Sunday, December 4, 2022</a:t>
+              <a:t>Monday, December 5, 2022</a:t>
             </a:fld>
             <a:endParaRPr lang="en-US">
               <a:solidFill>
@@ -2822,7 +2822,7 @@
               <a:pPr>
                 <a:defRPr/>
               </a:pPr>
-              <a:t>Sunday, December 4, 2022</a:t>
+              <a:t>Monday, December 5, 2022</a:t>
             </a:fld>
             <a:endParaRPr lang="en-US">
               <a:solidFill>
@@ -3132,7 +3132,7 @@
               <a:pPr>
                 <a:defRPr/>
               </a:pPr>
-              <a:t>Sunday, December 4, 2022</a:t>
+              <a:t>Monday, December 5, 2022</a:t>
             </a:fld>
             <a:endParaRPr lang="en-US">
               <a:solidFill>
@@ -3419,7 +3419,7 @@
               <a:pPr>
                 <a:defRPr/>
               </a:pPr>
-              <a:t>Sunday, December 4, 2022</a:t>
+              <a:t>Monday, December 5, 2022</a:t>
             </a:fld>
             <a:endParaRPr lang="en-US">
               <a:solidFill>
@@ -3679,7 +3679,7 @@
                 </a:spcAft>
                 <a:defRPr/>
               </a:pPr>
-              <a:t>Sunday, December 4, 2022</a:t>
+              <a:t>Monday, December 5, 2022</a:t>
             </a:fld>
             <a:endParaRPr lang="en-US">
               <a:solidFill>
@@ -7142,12 +7142,14 @@
 </file>
 
 <file path=customXml/item1.xml><?xml version="1.0" encoding="utf-8"?>
-<?mso-contentType ?>
-<FormTemplates xmlns="http://schemas.microsoft.com/sharepoint/v3/contenttype/forms">
-  <Display>DocumentLibraryForm</Display>
-  <Edit>DocumentLibraryForm</Edit>
-  <New>DocumentLibraryForm</New>
-</FormTemplates>
+<p:properties xmlns:p="http://schemas.microsoft.com/office/2006/metadata/properties" xmlns:xsi="http://www.w3.org/2001/XMLSchema-instance" xmlns:pc="http://schemas.microsoft.com/office/infopath/2007/PartnerControls">
+  <documentManagement>
+    <TaxCatchAll xmlns="820f9cb1-409d-4c4b-8197-1d4f7dd48124" xsi:nil="true"/>
+    <lcf76f155ced4ddcb4097134ff3c332f xmlns="08600313-7276-4ca7-b5d3-7d86193ee0ac">
+      <Terms xmlns="http://schemas.microsoft.com/office/infopath/2007/PartnerControls"/>
+    </lcf76f155ced4ddcb4097134ff3c332f>
+  </documentManagement>
+</p:properties>
 </file>
 
 <file path=customXml/item2.xml><?xml version="1.0" encoding="utf-8"?>
@@ -7320,20 +7322,28 @@
 </file>
 
 <file path=customXml/item3.xml><?xml version="1.0" encoding="utf-8"?>
-<p:properties xmlns:p="http://schemas.microsoft.com/office/2006/metadata/properties" xmlns:xsi="http://www.w3.org/2001/XMLSchema-instance" xmlns:pc="http://schemas.microsoft.com/office/infopath/2007/PartnerControls">
-  <documentManagement>
-    <TaxCatchAll xmlns="820f9cb1-409d-4c4b-8197-1d4f7dd48124" xsi:nil="true"/>
-    <lcf76f155ced4ddcb4097134ff3c332f xmlns="08600313-7276-4ca7-b5d3-7d86193ee0ac">
-      <Terms xmlns="http://schemas.microsoft.com/office/infopath/2007/PartnerControls"/>
-    </lcf76f155ced4ddcb4097134ff3c332f>
-  </documentManagement>
-</p:properties>
+<?mso-contentType ?>
+<FormTemplates xmlns="http://schemas.microsoft.com/sharepoint/v3/contenttype/forms">
+  <Display>DocumentLibraryForm</Display>
+  <Edit>DocumentLibraryForm</Edit>
+  <New>DocumentLibraryForm</New>
+</FormTemplates>
 </file>
 
 <file path=customXml/itemProps1.xml><?xml version="1.0" encoding="utf-8"?>
-<ds:datastoreItem xmlns:ds="http://schemas.openxmlformats.org/officeDocument/2006/customXml" ds:itemID="{06B0D7FD-3F15-4031-9B74-9BD0678C88D3}">
+<ds:datastoreItem xmlns:ds="http://schemas.openxmlformats.org/officeDocument/2006/customXml" ds:itemID="{2F4CC81C-03FD-4D6F-AA26-1CFBF0EF6A42}">
   <ds:schemaRefs>
-    <ds:schemaRef ds:uri="http://schemas.microsoft.com/sharepoint/v3/contenttype/forms"/>
+    <ds:schemaRef ds:uri="http://purl.org/dc/terms/"/>
+    <ds:schemaRef ds:uri="http://schemas.microsoft.com/office/2006/documentManagement/types"/>
+    <ds:schemaRef ds:uri="79ddb764-415a-4c38-83b7-908be6382bea"/>
+    <ds:schemaRef ds:uri="http://schemas.microsoft.com/office/infopath/2007/PartnerControls"/>
+    <ds:schemaRef ds:uri="http://purl.org/dc/elements/1.1/"/>
+    <ds:schemaRef ds:uri="http://schemas.microsoft.com/office/2006/metadata/properties"/>
+    <ds:schemaRef ds:uri="http://schemas.openxmlformats.org/package/2006/metadata/core-properties"/>
+    <ds:schemaRef ds:uri="http://www.w3.org/XML/1998/namespace"/>
+    <ds:schemaRef ds:uri="http://purl.org/dc/dcmitype/"/>
+    <ds:schemaRef ds:uri="820f9cb1-409d-4c4b-8197-1d4f7dd48124"/>
+    <ds:schemaRef ds:uri="08600313-7276-4ca7-b5d3-7d86193ee0ac"/>
   </ds:schemaRefs>
 </ds:datastoreItem>
 </file>
@@ -7358,19 +7368,9 @@
 </file>
 
 <file path=customXml/itemProps3.xml><?xml version="1.0" encoding="utf-8"?>
-<ds:datastoreItem xmlns:ds="http://schemas.openxmlformats.org/officeDocument/2006/customXml" ds:itemID="{2F4CC81C-03FD-4D6F-AA26-1CFBF0EF6A42}">
+<ds:datastoreItem xmlns:ds="http://schemas.openxmlformats.org/officeDocument/2006/customXml" ds:itemID="{06B0D7FD-3F15-4031-9B74-9BD0678C88D3}">
   <ds:schemaRefs>
-    <ds:schemaRef ds:uri="http://purl.org/dc/terms/"/>
-    <ds:schemaRef ds:uri="http://schemas.microsoft.com/office/2006/documentManagement/types"/>
-    <ds:schemaRef ds:uri="79ddb764-415a-4c38-83b7-908be6382bea"/>
-    <ds:schemaRef ds:uri="http://schemas.microsoft.com/office/infopath/2007/PartnerControls"/>
-    <ds:schemaRef ds:uri="http://purl.org/dc/elements/1.1/"/>
-    <ds:schemaRef ds:uri="http://schemas.microsoft.com/office/2006/metadata/properties"/>
-    <ds:schemaRef ds:uri="http://schemas.openxmlformats.org/package/2006/metadata/core-properties"/>
-    <ds:schemaRef ds:uri="http://www.w3.org/XML/1998/namespace"/>
-    <ds:schemaRef ds:uri="http://purl.org/dc/dcmitype/"/>
-    <ds:schemaRef ds:uri="820f9cb1-409d-4c4b-8197-1d4f7dd48124"/>
-    <ds:schemaRef ds:uri="08600313-7276-4ca7-b5d3-7d86193ee0ac"/>
+    <ds:schemaRef ds:uri="http://schemas.microsoft.com/sharepoint/v3/contenttype/forms"/>
   </ds:schemaRefs>
 </ds:datastoreItem>
 </file>